--- a/Présentation1.pptx
+++ b/Présentation1.pptx
@@ -106,6 +106,11 @@
       </a:defRPr>
     </a:lvl9pPr>
   </p:defaultTextStyle>
+  <p:extLst>
+    <p:ext uri="{EFAFB233-063F-42B5-8137-9DF3F51BA10A}">
+      <p15:sldGuideLst xmlns:p15="http://schemas.microsoft.com/office/powerpoint/2012/main"/>
+    </p:ext>
+  </p:extLst>
 </p:presentation>
 </file>
 
@@ -282,7 +287,7 @@
           <a:p>
             <a:fld id="{605A9375-0650-4536-813A-36BE8E9790C9}" type="datetimeFigureOut">
               <a:rPr lang="fr-FR" smtClean="0"/>
-              <a:t>11/06/2024</a:t>
+              <a:t>12/06/2024</a:t>
             </a:fld>
             <a:endParaRPr lang="fr-FR"/>
           </a:p>
@@ -480,7 +485,7 @@
           <a:p>
             <a:fld id="{605A9375-0650-4536-813A-36BE8E9790C9}" type="datetimeFigureOut">
               <a:rPr lang="fr-FR" smtClean="0"/>
-              <a:t>11/06/2024</a:t>
+              <a:t>12/06/2024</a:t>
             </a:fld>
             <a:endParaRPr lang="fr-FR"/>
           </a:p>
@@ -688,7 +693,7 @@
           <a:p>
             <a:fld id="{605A9375-0650-4536-813A-36BE8E9790C9}" type="datetimeFigureOut">
               <a:rPr lang="fr-FR" smtClean="0"/>
-              <a:t>11/06/2024</a:t>
+              <a:t>12/06/2024</a:t>
             </a:fld>
             <a:endParaRPr lang="fr-FR"/>
           </a:p>
@@ -886,7 +891,7 @@
           <a:p>
             <a:fld id="{605A9375-0650-4536-813A-36BE8E9790C9}" type="datetimeFigureOut">
               <a:rPr lang="fr-FR" smtClean="0"/>
-              <a:t>11/06/2024</a:t>
+              <a:t>12/06/2024</a:t>
             </a:fld>
             <a:endParaRPr lang="fr-FR"/>
           </a:p>
@@ -1161,7 +1166,7 @@
           <a:p>
             <a:fld id="{605A9375-0650-4536-813A-36BE8E9790C9}" type="datetimeFigureOut">
               <a:rPr lang="fr-FR" smtClean="0"/>
-              <a:t>11/06/2024</a:t>
+              <a:t>12/06/2024</a:t>
             </a:fld>
             <a:endParaRPr lang="fr-FR"/>
           </a:p>
@@ -1426,7 +1431,7 @@
           <a:p>
             <a:fld id="{605A9375-0650-4536-813A-36BE8E9790C9}" type="datetimeFigureOut">
               <a:rPr lang="fr-FR" smtClean="0"/>
-              <a:t>11/06/2024</a:t>
+              <a:t>12/06/2024</a:t>
             </a:fld>
             <a:endParaRPr lang="fr-FR"/>
           </a:p>
@@ -1838,7 +1843,7 @@
           <a:p>
             <a:fld id="{605A9375-0650-4536-813A-36BE8E9790C9}" type="datetimeFigureOut">
               <a:rPr lang="fr-FR" smtClean="0"/>
-              <a:t>11/06/2024</a:t>
+              <a:t>12/06/2024</a:t>
             </a:fld>
             <a:endParaRPr lang="fr-FR"/>
           </a:p>
@@ -1979,7 +1984,7 @@
           <a:p>
             <a:fld id="{605A9375-0650-4536-813A-36BE8E9790C9}" type="datetimeFigureOut">
               <a:rPr lang="fr-FR" smtClean="0"/>
-              <a:t>11/06/2024</a:t>
+              <a:t>12/06/2024</a:t>
             </a:fld>
             <a:endParaRPr lang="fr-FR"/>
           </a:p>
@@ -2092,7 +2097,7 @@
           <a:p>
             <a:fld id="{605A9375-0650-4536-813A-36BE8E9790C9}" type="datetimeFigureOut">
               <a:rPr lang="fr-FR" smtClean="0"/>
-              <a:t>11/06/2024</a:t>
+              <a:t>12/06/2024</a:t>
             </a:fld>
             <a:endParaRPr lang="fr-FR"/>
           </a:p>
@@ -2403,7 +2408,7 @@
           <a:p>
             <a:fld id="{605A9375-0650-4536-813A-36BE8E9790C9}" type="datetimeFigureOut">
               <a:rPr lang="fr-FR" smtClean="0"/>
-              <a:t>11/06/2024</a:t>
+              <a:t>12/06/2024</a:t>
             </a:fld>
             <a:endParaRPr lang="fr-FR"/>
           </a:p>
@@ -2691,7 +2696,7 @@
           <a:p>
             <a:fld id="{605A9375-0650-4536-813A-36BE8E9790C9}" type="datetimeFigureOut">
               <a:rPr lang="fr-FR" smtClean="0"/>
-              <a:t>11/06/2024</a:t>
+              <a:t>12/06/2024</a:t>
             </a:fld>
             <a:endParaRPr lang="fr-FR"/>
           </a:p>
@@ -2932,7 +2937,7 @@
           <a:p>
             <a:fld id="{605A9375-0650-4536-813A-36BE8E9790C9}" type="datetimeFigureOut">
               <a:rPr lang="fr-FR" smtClean="0"/>
-              <a:t>11/06/2024</a:t>
+              <a:t>12/06/2024</a:t>
             </a:fld>
             <a:endParaRPr lang="fr-FR"/>
           </a:p>
@@ -3639,10 +3644,10 @@
       </p:pic>
       <p:pic>
         <p:nvPicPr>
-          <p:cNvPr id="8" name="Image 7">
-            <a:extLst>
-              <a:ext uri="{FF2B5EF4-FFF2-40B4-BE49-F238E27FC236}">
-                <a16:creationId xmlns:a16="http://schemas.microsoft.com/office/drawing/2014/main" id="{9AAA22A6-BB6E-4DFF-9AFB-490B18425FE9}"/>
+          <p:cNvPr id="2" name="Image 1">
+            <a:extLst>
+              <a:ext uri="{FF2B5EF4-FFF2-40B4-BE49-F238E27FC236}">
+                <a16:creationId xmlns:a16="http://schemas.microsoft.com/office/drawing/2014/main" id="{29DE6999-FD66-4118-8437-E787C60FF710}"/>
               </a:ext>
             </a:extLst>
           </p:cNvPr>
@@ -3659,8 +3664,8 @@
         </p:blipFill>
         <p:spPr>
           <a:xfrm>
-            <a:off x="251178" y="3429000"/>
-            <a:ext cx="3928534" cy="2946401"/>
+            <a:off x="3714044" y="3276600"/>
+            <a:ext cx="4143023" cy="3107267"/>
           </a:xfrm>
           <a:prstGeom prst="rect">
             <a:avLst/>
@@ -3669,10 +3674,10 @@
       </p:pic>
       <p:pic>
         <p:nvPicPr>
-          <p:cNvPr id="9" name="Image 8">
-            <a:extLst>
-              <a:ext uri="{FF2B5EF4-FFF2-40B4-BE49-F238E27FC236}">
-                <a16:creationId xmlns:a16="http://schemas.microsoft.com/office/drawing/2014/main" id="{51E4B217-0EDF-4BD2-9114-8B0E52BB4D5D}"/>
+          <p:cNvPr id="3" name="Image 2">
+            <a:extLst>
+              <a:ext uri="{FF2B5EF4-FFF2-40B4-BE49-F238E27FC236}">
+                <a16:creationId xmlns:a16="http://schemas.microsoft.com/office/drawing/2014/main" id="{30A4B7A2-FABE-4A5B-9D57-4FD0F3EBE5BA}"/>
               </a:ext>
             </a:extLst>
           </p:cNvPr>
@@ -3682,56 +3687,21 @@
           <p:nvPr/>
         </p:nvPicPr>
         <p:blipFill>
-          <a:blip r:embed="rId5"/>
+          <a:blip r:embed="rId6"/>
           <a:stretch>
             <a:fillRect/>
           </a:stretch>
         </p:blipFill>
         <p:spPr>
           <a:xfrm>
-            <a:off x="3824113" y="3234268"/>
-            <a:ext cx="4188177" cy="3141133"/>
+            <a:off x="79021" y="3369733"/>
+            <a:ext cx="3894667" cy="2921000"/>
           </a:xfrm>
           <a:prstGeom prst="rect">
             <a:avLst/>
           </a:prstGeom>
         </p:spPr>
       </p:pic>
-      <p:sp>
-        <p:nvSpPr>
-          <p:cNvPr id="10" name="ZoneTexte 9">
-            <a:extLst>
-              <a:ext uri="{FF2B5EF4-FFF2-40B4-BE49-F238E27FC236}">
-                <a16:creationId xmlns:a16="http://schemas.microsoft.com/office/drawing/2014/main" id="{74300C49-128E-4F3A-8A1A-6E4C2F0FA10F}"/>
-              </a:ext>
-            </a:extLst>
-          </p:cNvPr>
-          <p:cNvSpPr txBox="1"/>
-          <p:nvPr/>
-        </p:nvSpPr>
-        <p:spPr>
-          <a:xfrm>
-            <a:off x="8212667" y="3750733"/>
-            <a:ext cx="2963333" cy="1200329"/>
-          </a:xfrm>
-          <a:prstGeom prst="rect">
-            <a:avLst/>
-          </a:prstGeom>
-          <a:noFill/>
-        </p:spPr>
-        <p:txBody>
-          <a:bodyPr wrap="square" rtlCol="0">
-            <a:spAutoFit/>
-          </a:bodyPr>
-          <a:lstStyle/>
-          <a:p>
-            <a:r>
-              <a:rPr lang="fr-FR" dirty="0"/>
-              <a:t>SS sur différents exemple en dimension 2. Problèmes sur le cas linéaire des 4 branches ?</a:t>
-            </a:r>
-          </a:p>
-        </p:txBody>
-      </p:sp>
     </p:spTree>
     <p:extLst>
       <p:ext uri="{BB962C8B-B14F-4D97-AF65-F5344CB8AC3E}">
@@ -3835,6 +3805,36 @@
           </a:p>
         </p:txBody>
       </p:sp>
+      <p:pic>
+        <p:nvPicPr>
+          <p:cNvPr id="2" name="Image 1">
+            <a:extLst>
+              <a:ext uri="{FF2B5EF4-FFF2-40B4-BE49-F238E27FC236}">
+                <a16:creationId xmlns:a16="http://schemas.microsoft.com/office/drawing/2014/main" id="{89482810-3F4F-402D-AD1A-1BAB58E3DE67}"/>
+              </a:ext>
+            </a:extLst>
+          </p:cNvPr>
+          <p:cNvPicPr>
+            <a:picLocks noChangeAspect="1"/>
+          </p:cNvPicPr>
+          <p:nvPr/>
+        </p:nvPicPr>
+        <p:blipFill>
+          <a:blip r:embed="rId3"/>
+          <a:stretch>
+            <a:fillRect/>
+          </a:stretch>
+        </p:blipFill>
+        <p:spPr>
+          <a:xfrm>
+            <a:off x="7306735" y="3132666"/>
+            <a:ext cx="4419600" cy="3314700"/>
+          </a:xfrm>
+          <a:prstGeom prst="rect">
+            <a:avLst/>
+          </a:prstGeom>
+        </p:spPr>
+      </p:pic>
     </p:spTree>
     <p:extLst>
       <p:ext uri="{BB962C8B-B14F-4D97-AF65-F5344CB8AC3E}">

--- a/Présentation1.pptx
+++ b/Présentation1.pptx
@@ -8,6 +8,8 @@
     <p:sldId id="256" r:id="rId2"/>
     <p:sldId id="257" r:id="rId3"/>
     <p:sldId id="258" r:id="rId4"/>
+    <p:sldId id="259" r:id="rId5"/>
+    <p:sldId id="260" r:id="rId6"/>
   </p:sldIdLst>
   <p:sldSz cx="12192000" cy="6858000"/>
   <p:notesSz cx="6858000" cy="9144000"/>
@@ -287,7 +289,7 @@
           <a:p>
             <a:fld id="{605A9375-0650-4536-813A-36BE8E9790C9}" type="datetimeFigureOut">
               <a:rPr lang="fr-FR" smtClean="0"/>
-              <a:t>12/06/2024</a:t>
+              <a:t>20/06/2024</a:t>
             </a:fld>
             <a:endParaRPr lang="fr-FR"/>
           </a:p>
@@ -485,7 +487,7 @@
           <a:p>
             <a:fld id="{605A9375-0650-4536-813A-36BE8E9790C9}" type="datetimeFigureOut">
               <a:rPr lang="fr-FR" smtClean="0"/>
-              <a:t>12/06/2024</a:t>
+              <a:t>20/06/2024</a:t>
             </a:fld>
             <a:endParaRPr lang="fr-FR"/>
           </a:p>
@@ -693,7 +695,7 @@
           <a:p>
             <a:fld id="{605A9375-0650-4536-813A-36BE8E9790C9}" type="datetimeFigureOut">
               <a:rPr lang="fr-FR" smtClean="0"/>
-              <a:t>12/06/2024</a:t>
+              <a:t>20/06/2024</a:t>
             </a:fld>
             <a:endParaRPr lang="fr-FR"/>
           </a:p>
@@ -891,7 +893,7 @@
           <a:p>
             <a:fld id="{605A9375-0650-4536-813A-36BE8E9790C9}" type="datetimeFigureOut">
               <a:rPr lang="fr-FR" smtClean="0"/>
-              <a:t>12/06/2024</a:t>
+              <a:t>20/06/2024</a:t>
             </a:fld>
             <a:endParaRPr lang="fr-FR"/>
           </a:p>
@@ -1166,7 +1168,7 @@
           <a:p>
             <a:fld id="{605A9375-0650-4536-813A-36BE8E9790C9}" type="datetimeFigureOut">
               <a:rPr lang="fr-FR" smtClean="0"/>
-              <a:t>12/06/2024</a:t>
+              <a:t>20/06/2024</a:t>
             </a:fld>
             <a:endParaRPr lang="fr-FR"/>
           </a:p>
@@ -1431,7 +1433,7 @@
           <a:p>
             <a:fld id="{605A9375-0650-4536-813A-36BE8E9790C9}" type="datetimeFigureOut">
               <a:rPr lang="fr-FR" smtClean="0"/>
-              <a:t>12/06/2024</a:t>
+              <a:t>20/06/2024</a:t>
             </a:fld>
             <a:endParaRPr lang="fr-FR"/>
           </a:p>
@@ -1843,7 +1845,7 @@
           <a:p>
             <a:fld id="{605A9375-0650-4536-813A-36BE8E9790C9}" type="datetimeFigureOut">
               <a:rPr lang="fr-FR" smtClean="0"/>
-              <a:t>12/06/2024</a:t>
+              <a:t>20/06/2024</a:t>
             </a:fld>
             <a:endParaRPr lang="fr-FR"/>
           </a:p>
@@ -1984,7 +1986,7 @@
           <a:p>
             <a:fld id="{605A9375-0650-4536-813A-36BE8E9790C9}" type="datetimeFigureOut">
               <a:rPr lang="fr-FR" smtClean="0"/>
-              <a:t>12/06/2024</a:t>
+              <a:t>20/06/2024</a:t>
             </a:fld>
             <a:endParaRPr lang="fr-FR"/>
           </a:p>
@@ -2097,7 +2099,7 @@
           <a:p>
             <a:fld id="{605A9375-0650-4536-813A-36BE8E9790C9}" type="datetimeFigureOut">
               <a:rPr lang="fr-FR" smtClean="0"/>
-              <a:t>12/06/2024</a:t>
+              <a:t>20/06/2024</a:t>
             </a:fld>
             <a:endParaRPr lang="fr-FR"/>
           </a:p>
@@ -2408,7 +2410,7 @@
           <a:p>
             <a:fld id="{605A9375-0650-4536-813A-36BE8E9790C9}" type="datetimeFigureOut">
               <a:rPr lang="fr-FR" smtClean="0"/>
-              <a:t>12/06/2024</a:t>
+              <a:t>20/06/2024</a:t>
             </a:fld>
             <a:endParaRPr lang="fr-FR"/>
           </a:p>
@@ -2696,7 +2698,7 @@
           <a:p>
             <a:fld id="{605A9375-0650-4536-813A-36BE8E9790C9}" type="datetimeFigureOut">
               <a:rPr lang="fr-FR" smtClean="0"/>
-              <a:t>12/06/2024</a:t>
+              <a:t>20/06/2024</a:t>
             </a:fld>
             <a:endParaRPr lang="fr-FR"/>
           </a:p>
@@ -2937,7 +2939,7 @@
           <a:p>
             <a:fld id="{605A9375-0650-4536-813A-36BE8E9790C9}" type="datetimeFigureOut">
               <a:rPr lang="fr-FR" smtClean="0"/>
-              <a:t>12/06/2024</a:t>
+              <a:t>20/06/2024</a:t>
             </a:fld>
             <a:endParaRPr lang="fr-FR"/>
           </a:p>
@@ -3848,6 +3850,351 @@
 </p:sld>
 </file>
 
+<file path=ppt/slides/slide4.xml><?xml version="1.0" encoding="utf-8"?>
+<p:sld xmlns:a="http://schemas.openxmlformats.org/drawingml/2006/main" xmlns:r="http://schemas.openxmlformats.org/officeDocument/2006/relationships" xmlns:p="http://schemas.openxmlformats.org/presentationml/2006/main">
+  <p:cSld>
+    <p:spTree>
+      <p:nvGrpSpPr>
+        <p:cNvPr id="1" name=""/>
+        <p:cNvGrpSpPr/>
+        <p:nvPr/>
+      </p:nvGrpSpPr>
+      <p:grpSpPr>
+        <a:xfrm>
+          <a:off x="0" y="0"/>
+          <a:ext cx="0" cy="0"/>
+          <a:chOff x="0" y="0"/>
+          <a:chExt cx="0" cy="0"/>
+        </a:xfrm>
+      </p:grpSpPr>
+      <p:sp>
+        <p:nvSpPr>
+          <p:cNvPr id="4" name="AutoShape 2" descr="https://file+.vscode-resource.vscode-cdn.net/c%3A/Users/ibouafia/Desktop/Stage/VAE/VAE_SS/figures_ss/Vamprior_Truncated.png?version%3D1718886108950">
+            <a:extLst>
+              <a:ext uri="{FF2B5EF4-FFF2-40B4-BE49-F238E27FC236}">
+                <a16:creationId xmlns:a16="http://schemas.microsoft.com/office/drawing/2014/main" id="{0D69568E-CEC0-4FC7-9C1C-E4423767DD55}"/>
+              </a:ext>
+            </a:extLst>
+          </p:cNvPr>
+          <p:cNvSpPr>
+            <a:spLocks noChangeAspect="1" noChangeArrowheads="1"/>
+          </p:cNvSpPr>
+          <p:nvPr/>
+        </p:nvSpPr>
+        <p:spPr bwMode="auto">
+          <a:xfrm>
+            <a:off x="5943600" y="3276600"/>
+            <a:ext cx="304800" cy="304800"/>
+          </a:xfrm>
+          <a:prstGeom prst="rect">
+            <a:avLst/>
+          </a:prstGeom>
+          <a:noFill/>
+          <a:extLst>
+            <a:ext uri="{909E8E84-426E-40DD-AFC4-6F175D3DCCD1}">
+              <a14:hiddenFill xmlns:a14="http://schemas.microsoft.com/office/drawing/2010/main">
+                <a:solidFill>
+                  <a:srgbClr val="FFFFFF"/>
+                </a:solidFill>
+              </a14:hiddenFill>
+            </a:ext>
+          </a:extLst>
+        </p:spPr>
+        <p:txBody>
+          <a:bodyPr vert="horz" wrap="square" lIns="91440" tIns="45720" rIns="91440" bIns="45720" numCol="1" anchor="t" anchorCtr="0" compatLnSpc="1">
+            <a:prstTxWarp prst="textNoShape">
+              <a:avLst/>
+            </a:prstTxWarp>
+          </a:bodyPr>
+          <a:lstStyle/>
+          <a:p>
+            <a:endParaRPr lang="fr-FR"/>
+          </a:p>
+        </p:txBody>
+      </p:sp>
+      <p:pic>
+        <p:nvPicPr>
+          <p:cNvPr id="6" name="Image 5">
+            <a:extLst>
+              <a:ext uri="{FF2B5EF4-FFF2-40B4-BE49-F238E27FC236}">
+                <a16:creationId xmlns:a16="http://schemas.microsoft.com/office/drawing/2014/main" id="{FFF0DF59-A803-4C79-8266-00F528E35D04}"/>
+              </a:ext>
+            </a:extLst>
+          </p:cNvPr>
+          <p:cNvPicPr>
+            <a:picLocks noChangeAspect="1"/>
+          </p:cNvPicPr>
+          <p:nvPr/>
+        </p:nvPicPr>
+        <p:blipFill rotWithShape="1">
+          <a:blip r:embed="rId2"/>
+          <a:srcRect l="4099" t="4845" r="6584" b="17640"/>
+          <a:stretch/>
+        </p:blipFill>
+        <p:spPr>
+          <a:xfrm>
+            <a:off x="0" y="127001"/>
+            <a:ext cx="7458899" cy="3776132"/>
+          </a:xfrm>
+          <a:prstGeom prst="rect">
+            <a:avLst/>
+          </a:prstGeom>
+        </p:spPr>
+      </p:pic>
+      <p:pic>
+        <p:nvPicPr>
+          <p:cNvPr id="7" name="Image 6">
+            <a:extLst>
+              <a:ext uri="{FF2B5EF4-FFF2-40B4-BE49-F238E27FC236}">
+                <a16:creationId xmlns:a16="http://schemas.microsoft.com/office/drawing/2014/main" id="{7214018B-5553-4DA4-9537-77007AB7E15A}"/>
+              </a:ext>
+            </a:extLst>
+          </p:cNvPr>
+          <p:cNvPicPr>
+            <a:picLocks noChangeAspect="1"/>
+          </p:cNvPicPr>
+          <p:nvPr/>
+        </p:nvPicPr>
+        <p:blipFill rotWithShape="1">
+          <a:blip r:embed="rId3"/>
+          <a:srcRect l="3194" t="3519" r="5139" b="6111"/>
+          <a:stretch/>
+        </p:blipFill>
+        <p:spPr>
+          <a:xfrm>
+            <a:off x="7306734" y="618067"/>
+            <a:ext cx="4707466" cy="3480672"/>
+          </a:xfrm>
+          <a:prstGeom prst="rect">
+            <a:avLst/>
+          </a:prstGeom>
+        </p:spPr>
+      </p:pic>
+      <p:sp>
+        <p:nvSpPr>
+          <p:cNvPr id="8" name="ZoneTexte 7">
+            <a:extLst>
+              <a:ext uri="{FF2B5EF4-FFF2-40B4-BE49-F238E27FC236}">
+                <a16:creationId xmlns:a16="http://schemas.microsoft.com/office/drawing/2014/main" id="{0CBA9B27-94FE-4516-8C6A-B123EFC56810}"/>
+              </a:ext>
+            </a:extLst>
+          </p:cNvPr>
+          <p:cNvSpPr txBox="1"/>
+          <p:nvPr/>
+        </p:nvSpPr>
+        <p:spPr>
+          <a:xfrm>
+            <a:off x="7526620" y="127001"/>
+            <a:ext cx="4487579" cy="369332"/>
+          </a:xfrm>
+          <a:prstGeom prst="rect">
+            <a:avLst/>
+          </a:prstGeom>
+          <a:noFill/>
+        </p:spPr>
+        <p:txBody>
+          <a:bodyPr wrap="square" rtlCol="0">
+            <a:spAutoFit/>
+          </a:bodyPr>
+          <a:lstStyle/>
+          <a:p>
+            <a:r>
+              <a:rPr lang="fr-FR" dirty="0"/>
+              <a:t>Taux acceptation : 0,317 (tjrs de l’ordre du .3)</a:t>
+            </a:r>
+          </a:p>
+        </p:txBody>
+      </p:sp>
+      <p:pic>
+        <p:nvPicPr>
+          <p:cNvPr id="9" name="Image 8">
+            <a:extLst>
+              <a:ext uri="{FF2B5EF4-FFF2-40B4-BE49-F238E27FC236}">
+                <a16:creationId xmlns:a16="http://schemas.microsoft.com/office/drawing/2014/main" id="{7F3AF9B2-BEC6-46C6-93D5-E4E1CEE2CE37}"/>
+              </a:ext>
+            </a:extLst>
+          </p:cNvPr>
+          <p:cNvPicPr>
+            <a:picLocks noChangeAspect="1"/>
+          </p:cNvPicPr>
+          <p:nvPr/>
+        </p:nvPicPr>
+        <p:blipFill>
+          <a:blip r:embed="rId4"/>
+          <a:stretch>
+            <a:fillRect/>
+          </a:stretch>
+        </p:blipFill>
+        <p:spPr>
+          <a:xfrm>
+            <a:off x="131210" y="3674533"/>
+            <a:ext cx="3937000" cy="2952750"/>
+          </a:xfrm>
+          <a:prstGeom prst="rect">
+            <a:avLst/>
+          </a:prstGeom>
+        </p:spPr>
+      </p:pic>
+      <p:pic>
+        <p:nvPicPr>
+          <p:cNvPr id="10" name="Image 9">
+            <a:extLst>
+              <a:ext uri="{FF2B5EF4-FFF2-40B4-BE49-F238E27FC236}">
+                <a16:creationId xmlns:a16="http://schemas.microsoft.com/office/drawing/2014/main" id="{EDA857F1-80A2-43AA-9338-FD97E90103B4}"/>
+              </a:ext>
+            </a:extLst>
+          </p:cNvPr>
+          <p:cNvPicPr>
+            <a:picLocks noChangeAspect="1"/>
+          </p:cNvPicPr>
+          <p:nvPr/>
+        </p:nvPicPr>
+        <p:blipFill>
+          <a:blip r:embed="rId5"/>
+          <a:stretch>
+            <a:fillRect/>
+          </a:stretch>
+        </p:blipFill>
+        <p:spPr>
+          <a:xfrm>
+            <a:off x="3560505" y="3674533"/>
+            <a:ext cx="3678507" cy="2758880"/>
+          </a:xfrm>
+          <a:prstGeom prst="rect">
+            <a:avLst/>
+          </a:prstGeom>
+        </p:spPr>
+      </p:pic>
+      <p:pic>
+        <p:nvPicPr>
+          <p:cNvPr id="11" name="Image 10">
+            <a:extLst>
+              <a:ext uri="{FF2B5EF4-FFF2-40B4-BE49-F238E27FC236}">
+                <a16:creationId xmlns:a16="http://schemas.microsoft.com/office/drawing/2014/main" id="{E38630A9-5BF1-449A-B792-D21FD9965246}"/>
+              </a:ext>
+            </a:extLst>
+          </p:cNvPr>
+          <p:cNvPicPr>
+            <a:picLocks noChangeAspect="1"/>
+          </p:cNvPicPr>
+          <p:nvPr/>
+        </p:nvPicPr>
+        <p:blipFill rotWithShape="1">
+          <a:blip r:embed="rId6"/>
+          <a:srcRect l="7179" t="9937" r="3990" b="4839"/>
+          <a:stretch/>
+        </p:blipFill>
+        <p:spPr>
+          <a:xfrm>
+            <a:off x="7598811" y="4013936"/>
+            <a:ext cx="3776133" cy="2717063"/>
+          </a:xfrm>
+          <a:prstGeom prst="rect">
+            <a:avLst/>
+          </a:prstGeom>
+        </p:spPr>
+      </p:pic>
+    </p:spTree>
+    <p:extLst>
+      <p:ext uri="{BB962C8B-B14F-4D97-AF65-F5344CB8AC3E}">
+        <p14:creationId xmlns:p14="http://schemas.microsoft.com/office/powerpoint/2010/main" val="1637258054"/>
+      </p:ext>
+    </p:extLst>
+  </p:cSld>
+  <p:clrMapOvr>
+    <a:masterClrMapping/>
+  </p:clrMapOvr>
+</p:sld>
+</file>
+
+<file path=ppt/slides/slide5.xml><?xml version="1.0" encoding="utf-8"?>
+<p:sld xmlns:a="http://schemas.openxmlformats.org/drawingml/2006/main" xmlns:r="http://schemas.openxmlformats.org/officeDocument/2006/relationships" xmlns:p="http://schemas.openxmlformats.org/presentationml/2006/main">
+  <p:cSld>
+    <p:spTree>
+      <p:nvGrpSpPr>
+        <p:cNvPr id="1" name=""/>
+        <p:cNvGrpSpPr/>
+        <p:nvPr/>
+      </p:nvGrpSpPr>
+      <p:grpSpPr>
+        <a:xfrm>
+          <a:off x="0" y="0"/>
+          <a:ext cx="0" cy="0"/>
+          <a:chOff x="0" y="0"/>
+          <a:chExt cx="0" cy="0"/>
+        </a:xfrm>
+      </p:grpSpPr>
+      <p:pic>
+        <p:nvPicPr>
+          <p:cNvPr id="4" name="Image 3">
+            <a:extLst>
+              <a:ext uri="{FF2B5EF4-FFF2-40B4-BE49-F238E27FC236}">
+                <a16:creationId xmlns:a16="http://schemas.microsoft.com/office/drawing/2014/main" id="{4746D2F8-968F-4530-8E02-4AD9E8ACECBB}"/>
+              </a:ext>
+            </a:extLst>
+          </p:cNvPr>
+          <p:cNvPicPr>
+            <a:picLocks noChangeAspect="1"/>
+          </p:cNvPicPr>
+          <p:nvPr/>
+        </p:nvPicPr>
+        <p:blipFill rotWithShape="1">
+          <a:blip r:embed="rId2"/>
+          <a:srcRect l="4561" t="4670" r="8438" b="7714"/>
+          <a:stretch/>
+        </p:blipFill>
+        <p:spPr>
+          <a:xfrm>
+            <a:off x="-76199" y="0"/>
+            <a:ext cx="6460066" cy="3276600"/>
+          </a:xfrm>
+          <a:prstGeom prst="rect">
+            <a:avLst/>
+          </a:prstGeom>
+        </p:spPr>
+      </p:pic>
+      <p:pic>
+        <p:nvPicPr>
+          <p:cNvPr id="5" name="Image 4">
+            <a:extLst>
+              <a:ext uri="{FF2B5EF4-FFF2-40B4-BE49-F238E27FC236}">
+                <a16:creationId xmlns:a16="http://schemas.microsoft.com/office/drawing/2014/main" id="{60420779-CC35-4C19-9E1D-583E39AD88D3}"/>
+              </a:ext>
+            </a:extLst>
+          </p:cNvPr>
+          <p:cNvPicPr>
+            <a:picLocks noChangeAspect="1"/>
+          </p:cNvPicPr>
+          <p:nvPr/>
+        </p:nvPicPr>
+        <p:blipFill rotWithShape="1">
+          <a:blip r:embed="rId3"/>
+          <a:srcRect l="6149" t="9396" r="7036" b="4795"/>
+          <a:stretch/>
+        </p:blipFill>
+        <p:spPr>
+          <a:xfrm>
+            <a:off x="4512734" y="3208867"/>
+            <a:ext cx="7103534" cy="3276600"/>
+          </a:xfrm>
+          <a:prstGeom prst="rect">
+            <a:avLst/>
+          </a:prstGeom>
+        </p:spPr>
+      </p:pic>
+    </p:spTree>
+    <p:extLst>
+      <p:ext uri="{BB962C8B-B14F-4D97-AF65-F5344CB8AC3E}">
+        <p14:creationId xmlns:p14="http://schemas.microsoft.com/office/powerpoint/2010/main" val="1773240346"/>
+      </p:ext>
+    </p:extLst>
+  </p:cSld>
+  <p:clrMapOvr>
+    <a:masterClrMapping/>
+  </p:clrMapOvr>
+</p:sld>
+</file>
+
 <file path=ppt/theme/theme1.xml><?xml version="1.0" encoding="utf-8"?>
 <a:theme xmlns:a="http://schemas.openxmlformats.org/drawingml/2006/main" name="Thème Office">
   <a:themeElements>

--- a/Présentation1.pptx
+++ b/Présentation1.pptx
@@ -4,12 +4,16 @@
   <p:sldMasterIdLst>
     <p:sldMasterId id="2147483648" r:id="rId1"/>
   </p:sldMasterIdLst>
+  <p:notesMasterIdLst>
+    <p:notesMasterId r:id="rId8"/>
+  </p:notesMasterIdLst>
   <p:sldIdLst>
     <p:sldId id="256" r:id="rId2"/>
     <p:sldId id="257" r:id="rId3"/>
     <p:sldId id="258" r:id="rId4"/>
     <p:sldId id="259" r:id="rId5"/>
     <p:sldId id="260" r:id="rId6"/>
+    <p:sldId id="261" r:id="rId7"/>
   </p:sldIdLst>
   <p:sldSz cx="12192000" cy="6858000"/>
   <p:notesSz cx="6858000" cy="9144000"/>
@@ -142,6 +146,355 @@
 </p:cmLst>
 </file>
 
+<file path=ppt/notesMasters/notesMaster1.xml><?xml version="1.0" encoding="utf-8"?>
+<p:notesMaster xmlns:a="http://schemas.openxmlformats.org/drawingml/2006/main" xmlns:r="http://schemas.openxmlformats.org/officeDocument/2006/relationships" xmlns:p="http://schemas.openxmlformats.org/presentationml/2006/main">
+  <p:cSld>
+    <p:bg>
+      <p:bgRef idx="1001">
+        <a:schemeClr val="bg1"/>
+      </p:bgRef>
+    </p:bg>
+    <p:spTree>
+      <p:nvGrpSpPr>
+        <p:cNvPr id="1" name=""/>
+        <p:cNvGrpSpPr/>
+        <p:nvPr/>
+      </p:nvGrpSpPr>
+      <p:grpSpPr>
+        <a:xfrm>
+          <a:off x="0" y="0"/>
+          <a:ext cx="0" cy="0"/>
+          <a:chOff x="0" y="0"/>
+          <a:chExt cx="0" cy="0"/>
+        </a:xfrm>
+      </p:grpSpPr>
+      <p:sp>
+        <p:nvSpPr>
+          <p:cNvPr id="2" name="Espace réservé de l'en-tête 1"/>
+          <p:cNvSpPr>
+            <a:spLocks noGrp="1"/>
+          </p:cNvSpPr>
+          <p:nvPr>
+            <p:ph type="hdr" sz="quarter"/>
+          </p:nvPr>
+        </p:nvSpPr>
+        <p:spPr>
+          <a:xfrm>
+            <a:off x="0" y="0"/>
+            <a:ext cx="2971800" cy="458788"/>
+          </a:xfrm>
+          <a:prstGeom prst="rect">
+            <a:avLst/>
+          </a:prstGeom>
+        </p:spPr>
+        <p:txBody>
+          <a:bodyPr vert="horz" lIns="91440" tIns="45720" rIns="91440" bIns="45720" rtlCol="0"/>
+          <a:lstStyle>
+            <a:lvl1pPr algn="l">
+              <a:defRPr sz="1200"/>
+            </a:lvl1pPr>
+          </a:lstStyle>
+          <a:p>
+            <a:endParaRPr lang="fr-FR"/>
+          </a:p>
+        </p:txBody>
+      </p:sp>
+      <p:sp>
+        <p:nvSpPr>
+          <p:cNvPr id="3" name="Espace réservé de la date 2"/>
+          <p:cNvSpPr>
+            <a:spLocks noGrp="1"/>
+          </p:cNvSpPr>
+          <p:nvPr>
+            <p:ph type="dt" idx="1"/>
+          </p:nvPr>
+        </p:nvSpPr>
+        <p:spPr>
+          <a:xfrm>
+            <a:off x="3884613" y="0"/>
+            <a:ext cx="2971800" cy="458788"/>
+          </a:xfrm>
+          <a:prstGeom prst="rect">
+            <a:avLst/>
+          </a:prstGeom>
+        </p:spPr>
+        <p:txBody>
+          <a:bodyPr vert="horz" lIns="91440" tIns="45720" rIns="91440" bIns="45720" rtlCol="0"/>
+          <a:lstStyle>
+            <a:lvl1pPr algn="r">
+              <a:defRPr sz="1200"/>
+            </a:lvl1pPr>
+          </a:lstStyle>
+          <a:p>
+            <a:fld id="{9826A41E-DB0A-4C49-A02E-0E2FE78B95FD}" type="datetimeFigureOut">
+              <a:rPr lang="fr-FR" smtClean="0"/>
+              <a:t>24/06/2024</a:t>
+            </a:fld>
+            <a:endParaRPr lang="fr-FR"/>
+          </a:p>
+        </p:txBody>
+      </p:sp>
+      <p:sp>
+        <p:nvSpPr>
+          <p:cNvPr id="4" name="Espace réservé de l'image des diapositives 3"/>
+          <p:cNvSpPr>
+            <a:spLocks noGrp="1" noRot="1" noChangeAspect="1"/>
+          </p:cNvSpPr>
+          <p:nvPr>
+            <p:ph type="sldImg" idx="2"/>
+          </p:nvPr>
+        </p:nvSpPr>
+        <p:spPr>
+          <a:xfrm>
+            <a:off x="685800" y="1143000"/>
+            <a:ext cx="5486400" cy="3086100"/>
+          </a:xfrm>
+          <a:prstGeom prst="rect">
+            <a:avLst/>
+          </a:prstGeom>
+          <a:noFill/>
+          <a:ln w="12700">
+            <a:solidFill>
+              <a:prstClr val="black"/>
+            </a:solidFill>
+          </a:ln>
+        </p:spPr>
+        <p:txBody>
+          <a:bodyPr vert="horz" lIns="91440" tIns="45720" rIns="91440" bIns="45720" rtlCol="0" anchor="ctr"/>
+          <a:lstStyle/>
+          <a:p>
+            <a:endParaRPr lang="fr-FR"/>
+          </a:p>
+        </p:txBody>
+      </p:sp>
+      <p:sp>
+        <p:nvSpPr>
+          <p:cNvPr id="5" name="Espace réservé des notes 4"/>
+          <p:cNvSpPr>
+            <a:spLocks noGrp="1"/>
+          </p:cNvSpPr>
+          <p:nvPr>
+            <p:ph type="body" sz="quarter" idx="3"/>
+          </p:nvPr>
+        </p:nvSpPr>
+        <p:spPr>
+          <a:xfrm>
+            <a:off x="685800" y="4400550"/>
+            <a:ext cx="5486400" cy="3600450"/>
+          </a:xfrm>
+          <a:prstGeom prst="rect">
+            <a:avLst/>
+          </a:prstGeom>
+        </p:spPr>
+        <p:txBody>
+          <a:bodyPr vert="horz" lIns="91440" tIns="45720" rIns="91440" bIns="45720" rtlCol="0"/>
+          <a:lstStyle/>
+          <a:p>
+            <a:pPr lvl="0"/>
+            <a:r>
+              <a:rPr lang="fr-FR"/>
+              <a:t>Modifier les styles du texte du masque</a:t>
+            </a:r>
+          </a:p>
+          <a:p>
+            <a:pPr lvl="1"/>
+            <a:r>
+              <a:rPr lang="fr-FR"/>
+              <a:t>Deuxième niveau</a:t>
+            </a:r>
+          </a:p>
+          <a:p>
+            <a:pPr lvl="2"/>
+            <a:r>
+              <a:rPr lang="fr-FR"/>
+              <a:t>Troisième niveau</a:t>
+            </a:r>
+          </a:p>
+          <a:p>
+            <a:pPr lvl="3"/>
+            <a:r>
+              <a:rPr lang="fr-FR"/>
+              <a:t>Quatrième niveau</a:t>
+            </a:r>
+          </a:p>
+          <a:p>
+            <a:pPr lvl="4"/>
+            <a:r>
+              <a:rPr lang="fr-FR"/>
+              <a:t>Cinquième niveau</a:t>
+            </a:r>
+          </a:p>
+        </p:txBody>
+      </p:sp>
+      <p:sp>
+        <p:nvSpPr>
+          <p:cNvPr id="6" name="Espace réservé du pied de page 5"/>
+          <p:cNvSpPr>
+            <a:spLocks noGrp="1"/>
+          </p:cNvSpPr>
+          <p:nvPr>
+            <p:ph type="ftr" sz="quarter" idx="4"/>
+          </p:nvPr>
+        </p:nvSpPr>
+        <p:spPr>
+          <a:xfrm>
+            <a:off x="0" y="8685213"/>
+            <a:ext cx="2971800" cy="458787"/>
+          </a:xfrm>
+          <a:prstGeom prst="rect">
+            <a:avLst/>
+          </a:prstGeom>
+        </p:spPr>
+        <p:txBody>
+          <a:bodyPr vert="horz" lIns="91440" tIns="45720" rIns="91440" bIns="45720" rtlCol="0" anchor="b"/>
+          <a:lstStyle>
+            <a:lvl1pPr algn="l">
+              <a:defRPr sz="1200"/>
+            </a:lvl1pPr>
+          </a:lstStyle>
+          <a:p>
+            <a:endParaRPr lang="fr-FR"/>
+          </a:p>
+        </p:txBody>
+      </p:sp>
+      <p:sp>
+        <p:nvSpPr>
+          <p:cNvPr id="7" name="Espace réservé du numéro de diapositive 6"/>
+          <p:cNvSpPr>
+            <a:spLocks noGrp="1"/>
+          </p:cNvSpPr>
+          <p:nvPr>
+            <p:ph type="sldNum" sz="quarter" idx="5"/>
+          </p:nvPr>
+        </p:nvSpPr>
+        <p:spPr>
+          <a:xfrm>
+            <a:off x="3884613" y="8685213"/>
+            <a:ext cx="2971800" cy="458787"/>
+          </a:xfrm>
+          <a:prstGeom prst="rect">
+            <a:avLst/>
+          </a:prstGeom>
+        </p:spPr>
+        <p:txBody>
+          <a:bodyPr vert="horz" lIns="91440" tIns="45720" rIns="91440" bIns="45720" rtlCol="0" anchor="b"/>
+          <a:lstStyle>
+            <a:lvl1pPr algn="r">
+              <a:defRPr sz="1200"/>
+            </a:lvl1pPr>
+          </a:lstStyle>
+          <a:p>
+            <a:fld id="{9D723234-0BE3-4ADF-87B2-DC414E200A13}" type="slidenum">
+              <a:rPr lang="fr-FR" smtClean="0"/>
+              <a:t>‹N°›</a:t>
+            </a:fld>
+            <a:endParaRPr lang="fr-FR"/>
+          </a:p>
+        </p:txBody>
+      </p:sp>
+    </p:spTree>
+    <p:extLst>
+      <p:ext uri="{BB962C8B-B14F-4D97-AF65-F5344CB8AC3E}">
+        <p14:creationId xmlns:p14="http://schemas.microsoft.com/office/powerpoint/2010/main" val="3554964561"/>
+      </p:ext>
+    </p:extLst>
+  </p:cSld>
+  <p:clrMap bg1="lt1" tx1="dk1" bg2="lt2" tx2="dk2" accent1="accent1" accent2="accent2" accent3="accent3" accent4="accent4" accent5="accent5" accent6="accent6" hlink="hlink" folHlink="folHlink"/>
+  <p:notesStyle>
+    <a:lvl1pPr marL="0" algn="l" defTabSz="914400" rtl="0" eaLnBrk="1" latinLnBrk="0" hangingPunct="1">
+      <a:defRPr sz="1200" kern="1200">
+        <a:solidFill>
+          <a:schemeClr val="tx1"/>
+        </a:solidFill>
+        <a:latin typeface="+mn-lt"/>
+        <a:ea typeface="+mn-ea"/>
+        <a:cs typeface="+mn-cs"/>
+      </a:defRPr>
+    </a:lvl1pPr>
+    <a:lvl2pPr marL="457200" algn="l" defTabSz="914400" rtl="0" eaLnBrk="1" latinLnBrk="0" hangingPunct="1">
+      <a:defRPr sz="1200" kern="1200">
+        <a:solidFill>
+          <a:schemeClr val="tx1"/>
+        </a:solidFill>
+        <a:latin typeface="+mn-lt"/>
+        <a:ea typeface="+mn-ea"/>
+        <a:cs typeface="+mn-cs"/>
+      </a:defRPr>
+    </a:lvl2pPr>
+    <a:lvl3pPr marL="914400" algn="l" defTabSz="914400" rtl="0" eaLnBrk="1" latinLnBrk="0" hangingPunct="1">
+      <a:defRPr sz="1200" kern="1200">
+        <a:solidFill>
+          <a:schemeClr val="tx1"/>
+        </a:solidFill>
+        <a:latin typeface="+mn-lt"/>
+        <a:ea typeface="+mn-ea"/>
+        <a:cs typeface="+mn-cs"/>
+      </a:defRPr>
+    </a:lvl3pPr>
+    <a:lvl4pPr marL="1371600" algn="l" defTabSz="914400" rtl="0" eaLnBrk="1" latinLnBrk="0" hangingPunct="1">
+      <a:defRPr sz="1200" kern="1200">
+        <a:solidFill>
+          <a:schemeClr val="tx1"/>
+        </a:solidFill>
+        <a:latin typeface="+mn-lt"/>
+        <a:ea typeface="+mn-ea"/>
+        <a:cs typeface="+mn-cs"/>
+      </a:defRPr>
+    </a:lvl4pPr>
+    <a:lvl5pPr marL="1828800" algn="l" defTabSz="914400" rtl="0" eaLnBrk="1" latinLnBrk="0" hangingPunct="1">
+      <a:defRPr sz="1200" kern="1200">
+        <a:solidFill>
+          <a:schemeClr val="tx1"/>
+        </a:solidFill>
+        <a:latin typeface="+mn-lt"/>
+        <a:ea typeface="+mn-ea"/>
+        <a:cs typeface="+mn-cs"/>
+      </a:defRPr>
+    </a:lvl5pPr>
+    <a:lvl6pPr marL="2286000" algn="l" defTabSz="914400" rtl="0" eaLnBrk="1" latinLnBrk="0" hangingPunct="1">
+      <a:defRPr sz="1200" kern="1200">
+        <a:solidFill>
+          <a:schemeClr val="tx1"/>
+        </a:solidFill>
+        <a:latin typeface="+mn-lt"/>
+        <a:ea typeface="+mn-ea"/>
+        <a:cs typeface="+mn-cs"/>
+      </a:defRPr>
+    </a:lvl6pPr>
+    <a:lvl7pPr marL="2743200" algn="l" defTabSz="914400" rtl="0" eaLnBrk="1" latinLnBrk="0" hangingPunct="1">
+      <a:defRPr sz="1200" kern="1200">
+        <a:solidFill>
+          <a:schemeClr val="tx1"/>
+        </a:solidFill>
+        <a:latin typeface="+mn-lt"/>
+        <a:ea typeface="+mn-ea"/>
+        <a:cs typeface="+mn-cs"/>
+      </a:defRPr>
+    </a:lvl7pPr>
+    <a:lvl8pPr marL="3200400" algn="l" defTabSz="914400" rtl="0" eaLnBrk="1" latinLnBrk="0" hangingPunct="1">
+      <a:defRPr sz="1200" kern="1200">
+        <a:solidFill>
+          <a:schemeClr val="tx1"/>
+        </a:solidFill>
+        <a:latin typeface="+mn-lt"/>
+        <a:ea typeface="+mn-ea"/>
+        <a:cs typeface="+mn-cs"/>
+      </a:defRPr>
+    </a:lvl8pPr>
+    <a:lvl9pPr marL="3657600" algn="l" defTabSz="914400" rtl="0" eaLnBrk="1" latinLnBrk="0" hangingPunct="1">
+      <a:defRPr sz="1200" kern="1200">
+        <a:solidFill>
+          <a:schemeClr val="tx1"/>
+        </a:solidFill>
+        <a:latin typeface="+mn-lt"/>
+        <a:ea typeface="+mn-ea"/>
+        <a:cs typeface="+mn-cs"/>
+      </a:defRPr>
+    </a:lvl9pPr>
+  </p:notesStyle>
+</p:notesMaster>
+</file>
+
 <file path=ppt/slideLayouts/slideLayout1.xml><?xml version="1.0" encoding="utf-8"?>
 <p:sldLayout xmlns:a="http://schemas.openxmlformats.org/drawingml/2006/main" xmlns:r="http://schemas.openxmlformats.org/officeDocument/2006/relationships" xmlns:p="http://schemas.openxmlformats.org/presentationml/2006/main" type="title" preserve="1">
   <p:cSld name="Diapositive de titre">
@@ -289,7 +642,7 @@
           <a:p>
             <a:fld id="{605A9375-0650-4536-813A-36BE8E9790C9}" type="datetimeFigureOut">
               <a:rPr lang="fr-FR" smtClean="0"/>
-              <a:t>20/06/2024</a:t>
+              <a:t>24/06/2024</a:t>
             </a:fld>
             <a:endParaRPr lang="fr-FR"/>
           </a:p>
@@ -487,7 +840,7 @@
           <a:p>
             <a:fld id="{605A9375-0650-4536-813A-36BE8E9790C9}" type="datetimeFigureOut">
               <a:rPr lang="fr-FR" smtClean="0"/>
-              <a:t>20/06/2024</a:t>
+              <a:t>24/06/2024</a:t>
             </a:fld>
             <a:endParaRPr lang="fr-FR"/>
           </a:p>
@@ -695,7 +1048,7 @@
           <a:p>
             <a:fld id="{605A9375-0650-4536-813A-36BE8E9790C9}" type="datetimeFigureOut">
               <a:rPr lang="fr-FR" smtClean="0"/>
-              <a:t>20/06/2024</a:t>
+              <a:t>24/06/2024</a:t>
             </a:fld>
             <a:endParaRPr lang="fr-FR"/>
           </a:p>
@@ -893,7 +1246,7 @@
           <a:p>
             <a:fld id="{605A9375-0650-4536-813A-36BE8E9790C9}" type="datetimeFigureOut">
               <a:rPr lang="fr-FR" smtClean="0"/>
-              <a:t>20/06/2024</a:t>
+              <a:t>24/06/2024</a:t>
             </a:fld>
             <a:endParaRPr lang="fr-FR"/>
           </a:p>
@@ -1168,7 +1521,7 @@
           <a:p>
             <a:fld id="{605A9375-0650-4536-813A-36BE8E9790C9}" type="datetimeFigureOut">
               <a:rPr lang="fr-FR" smtClean="0"/>
-              <a:t>20/06/2024</a:t>
+              <a:t>24/06/2024</a:t>
             </a:fld>
             <a:endParaRPr lang="fr-FR"/>
           </a:p>
@@ -1433,7 +1786,7 @@
           <a:p>
             <a:fld id="{605A9375-0650-4536-813A-36BE8E9790C9}" type="datetimeFigureOut">
               <a:rPr lang="fr-FR" smtClean="0"/>
-              <a:t>20/06/2024</a:t>
+              <a:t>24/06/2024</a:t>
             </a:fld>
             <a:endParaRPr lang="fr-FR"/>
           </a:p>
@@ -1845,7 +2198,7 @@
           <a:p>
             <a:fld id="{605A9375-0650-4536-813A-36BE8E9790C9}" type="datetimeFigureOut">
               <a:rPr lang="fr-FR" smtClean="0"/>
-              <a:t>20/06/2024</a:t>
+              <a:t>24/06/2024</a:t>
             </a:fld>
             <a:endParaRPr lang="fr-FR"/>
           </a:p>
@@ -1986,7 +2339,7 @@
           <a:p>
             <a:fld id="{605A9375-0650-4536-813A-36BE8E9790C9}" type="datetimeFigureOut">
               <a:rPr lang="fr-FR" smtClean="0"/>
-              <a:t>20/06/2024</a:t>
+              <a:t>24/06/2024</a:t>
             </a:fld>
             <a:endParaRPr lang="fr-FR"/>
           </a:p>
@@ -2099,7 +2452,7 @@
           <a:p>
             <a:fld id="{605A9375-0650-4536-813A-36BE8E9790C9}" type="datetimeFigureOut">
               <a:rPr lang="fr-FR" smtClean="0"/>
-              <a:t>20/06/2024</a:t>
+              <a:t>24/06/2024</a:t>
             </a:fld>
             <a:endParaRPr lang="fr-FR"/>
           </a:p>
@@ -2410,7 +2763,7 @@
           <a:p>
             <a:fld id="{605A9375-0650-4536-813A-36BE8E9790C9}" type="datetimeFigureOut">
               <a:rPr lang="fr-FR" smtClean="0"/>
-              <a:t>20/06/2024</a:t>
+              <a:t>24/06/2024</a:t>
             </a:fld>
             <a:endParaRPr lang="fr-FR"/>
           </a:p>
@@ -2698,7 +3051,7 @@
           <a:p>
             <a:fld id="{605A9375-0650-4536-813A-36BE8E9790C9}" type="datetimeFigureOut">
               <a:rPr lang="fr-FR" smtClean="0"/>
-              <a:t>20/06/2024</a:t>
+              <a:t>24/06/2024</a:t>
             </a:fld>
             <a:endParaRPr lang="fr-FR"/>
           </a:p>
@@ -2939,7 +3292,7 @@
           <a:p>
             <a:fld id="{605A9375-0650-4536-813A-36BE8E9790C9}" type="datetimeFigureOut">
               <a:rPr lang="fr-FR" smtClean="0"/>
-              <a:t>20/06/2024</a:t>
+              <a:t>24/06/2024</a:t>
             </a:fld>
             <a:endParaRPr lang="fr-FR"/>
           </a:p>
@@ -3401,12 +3754,68 @@
           </a:p>
         </p:txBody>
       </p:sp>
+      <p:sp>
+        <p:nvSpPr>
+          <p:cNvPr id="8" name="ZoneTexte 7">
+            <a:extLst>
+              <a:ext uri="{FF2B5EF4-FFF2-40B4-BE49-F238E27FC236}">
+                <a16:creationId xmlns:a16="http://schemas.microsoft.com/office/drawing/2014/main" id="{8697F979-4056-4ADB-8FA5-62CBB4643ECA}"/>
+              </a:ext>
+            </a:extLst>
+          </p:cNvPr>
+          <p:cNvSpPr txBox="1"/>
+          <p:nvPr/>
+        </p:nvSpPr>
+        <p:spPr>
+          <a:xfrm>
+            <a:off x="68557" y="0"/>
+            <a:ext cx="7354410" cy="1200329"/>
+          </a:xfrm>
+          <a:prstGeom prst="rect">
+            <a:avLst/>
+          </a:prstGeom>
+          <a:noFill/>
+        </p:spPr>
+        <p:txBody>
+          <a:bodyPr wrap="square" rtlCol="0">
+            <a:spAutoFit/>
+          </a:bodyPr>
+          <a:lstStyle/>
+          <a:p>
+            <a:r>
+              <a:rPr lang="fr-FR" dirty="0"/>
+              <a:t>Entrainement VAE pour la distribution d’un vecteur gaussien tronqué sur les 2 premières composantes : 4 modes et 10 000 données</a:t>
+            </a:r>
+          </a:p>
+          <a:p>
+            <a:endParaRPr lang="fr-FR" dirty="0"/>
+          </a:p>
+          <a:p>
+            <a:r>
+              <a:rPr lang="fr-FR" dirty="0" err="1"/>
+              <a:t>Melange</a:t>
+            </a:r>
+            <a:r>
+              <a:rPr lang="fr-FR" dirty="0"/>
+              <a:t> </a:t>
+            </a:r>
+            <a:r>
+              <a:rPr lang="fr-FR" dirty="0" err="1"/>
+              <a:t>gaussian</a:t>
+            </a:r>
+            <a:r>
+              <a:rPr lang="fr-FR" dirty="0"/>
+              <a:t> de 15 composantes </a:t>
+            </a:r>
+          </a:p>
+        </p:txBody>
+      </p:sp>
       <p:pic>
         <p:nvPicPr>
-          <p:cNvPr id="5" name="Image 4">
-            <a:extLst>
-              <a:ext uri="{FF2B5EF4-FFF2-40B4-BE49-F238E27FC236}">
-                <a16:creationId xmlns:a16="http://schemas.microsoft.com/office/drawing/2014/main" id="{E0B546A0-18C8-4206-BDBE-7B05D75FFE0A}"/>
+          <p:cNvPr id="11" name="Image 10">
+            <a:extLst>
+              <a:ext uri="{FF2B5EF4-FFF2-40B4-BE49-F238E27FC236}">
+                <a16:creationId xmlns:a16="http://schemas.microsoft.com/office/drawing/2014/main" id="{38A88036-B914-4B4D-9764-5C183289840F}"/>
               </a:ext>
             </a:extLst>
           </p:cNvPr>
@@ -3415,16 +3824,15 @@
           </p:cNvPicPr>
           <p:nvPr/>
         </p:nvPicPr>
-        <p:blipFill>
+        <p:blipFill rotWithShape="1">
           <a:blip r:embed="rId2"/>
-          <a:stretch>
-            <a:fillRect/>
-          </a:stretch>
+          <a:srcRect l="7852" t="8951" r="50093" b="6234"/>
+          <a:stretch/>
         </p:blipFill>
         <p:spPr>
           <a:xfrm>
-            <a:off x="2988734" y="3270250"/>
-            <a:ext cx="4783666" cy="3587750"/>
+            <a:off x="8907262" y="-35723"/>
+            <a:ext cx="3284738" cy="3312323"/>
           </a:xfrm>
           <a:prstGeom prst="rect">
             <a:avLst/>
@@ -3433,10 +3841,10 @@
       </p:pic>
       <p:pic>
         <p:nvPicPr>
-          <p:cNvPr id="6" name="Image 5">
-            <a:extLst>
-              <a:ext uri="{FF2B5EF4-FFF2-40B4-BE49-F238E27FC236}">
-                <a16:creationId xmlns:a16="http://schemas.microsoft.com/office/drawing/2014/main" id="{C5E43353-A408-46C2-ABD2-978476D509CE}"/>
+          <p:cNvPr id="12" name="Image 11">
+            <a:extLst>
+              <a:ext uri="{FF2B5EF4-FFF2-40B4-BE49-F238E27FC236}">
+                <a16:creationId xmlns:a16="http://schemas.microsoft.com/office/drawing/2014/main" id="{C9DAB017-0BBC-4D74-93BB-0415E1551140}"/>
               </a:ext>
             </a:extLst>
           </p:cNvPr>
@@ -3445,85 +3853,102 @@
           </p:cNvPicPr>
           <p:nvPr/>
         </p:nvPicPr>
-        <p:blipFill rotWithShape="1">
+        <p:blipFill>
           <a:blip r:embed="rId3"/>
-          <a:srcRect l="8710" t="732" r="49549" b="-732"/>
-          <a:stretch/>
+          <a:stretch>
+            <a:fillRect/>
+          </a:stretch>
         </p:blipFill>
         <p:spPr>
           <a:xfrm>
-            <a:off x="4233" y="-321733"/>
-            <a:ext cx="3547534" cy="4137726"/>
+            <a:off x="150921" y="3574742"/>
+            <a:ext cx="4063013" cy="3047260"/>
           </a:xfrm>
           <a:prstGeom prst="rect">
             <a:avLst/>
           </a:prstGeom>
         </p:spPr>
       </p:pic>
-      <p:pic>
-        <p:nvPicPr>
-          <p:cNvPr id="7" name="Image 6">
-            <a:extLst>
-              <a:ext uri="{FF2B5EF4-FFF2-40B4-BE49-F238E27FC236}">
-                <a16:creationId xmlns:a16="http://schemas.microsoft.com/office/drawing/2014/main" id="{B820E083-8F51-4F4B-AC8A-AF21131EC68A}"/>
-              </a:ext>
-            </a:extLst>
-          </p:cNvPr>
-          <p:cNvPicPr>
-            <a:picLocks noChangeAspect="1"/>
-          </p:cNvPicPr>
+      <p:grpSp>
+        <p:nvGrpSpPr>
+          <p:cNvPr id="15" name="Groupe 14">
+            <a:extLst>
+              <a:ext uri="{FF2B5EF4-FFF2-40B4-BE49-F238E27FC236}">
+                <a16:creationId xmlns:a16="http://schemas.microsoft.com/office/drawing/2014/main" id="{2799ED7A-06CE-49B7-9D9C-0749119A5EDF}"/>
+              </a:ext>
+            </a:extLst>
+          </p:cNvPr>
+          <p:cNvGrpSpPr/>
           <p:nvPr/>
-        </p:nvPicPr>
-        <p:blipFill rotWithShape="1">
-          <a:blip r:embed="rId4"/>
-          <a:srcRect l="9481" t="10000" r="8889" b="23207"/>
-          <a:stretch/>
-        </p:blipFill>
-        <p:spPr>
+        </p:nvGrpSpPr>
+        <p:grpSpPr>
           <a:xfrm>
-            <a:off x="3759200" y="0"/>
-            <a:ext cx="7586134" cy="3620968"/>
+            <a:off x="316639" y="3329866"/>
+            <a:ext cx="10525957" cy="3444536"/>
+            <a:chOff x="316639" y="3329866"/>
+            <a:chExt cx="10525957" cy="3444536"/>
           </a:xfrm>
-          <a:prstGeom prst="rect">
-            <a:avLst/>
-          </a:prstGeom>
-        </p:spPr>
-      </p:pic>
-      <p:sp>
-        <p:nvSpPr>
-          <p:cNvPr id="8" name="ZoneTexte 7">
-            <a:extLst>
-              <a:ext uri="{FF2B5EF4-FFF2-40B4-BE49-F238E27FC236}">
-                <a16:creationId xmlns:a16="http://schemas.microsoft.com/office/drawing/2014/main" id="{8697F979-4056-4ADB-8FA5-62CBB4643ECA}"/>
-              </a:ext>
-            </a:extLst>
-          </p:cNvPr>
-          <p:cNvSpPr txBox="1"/>
-          <p:nvPr/>
-        </p:nvSpPr>
-        <p:spPr>
-          <a:xfrm>
-            <a:off x="8280400" y="4284133"/>
-            <a:ext cx="3183467" cy="1477328"/>
-          </a:xfrm>
-          <a:prstGeom prst="rect">
-            <a:avLst/>
-          </a:prstGeom>
-          <a:noFill/>
-        </p:spPr>
-        <p:txBody>
-          <a:bodyPr wrap="square" rtlCol="0">
-            <a:spAutoFit/>
-          </a:bodyPr>
-          <a:lstStyle/>
-          <a:p>
-            <a:r>
-              <a:rPr lang="fr-FR" dirty="0"/>
-              <a:t>Entrainement VAE pour la distribution d’un vecteur gaussien tronqué sur les 2 premières composantes : 4 modes et 10 000 données</a:t>
-            </a:r>
-          </a:p>
-        </p:txBody>
-      </p:sp>
+        </p:grpSpPr>
+        <p:pic>
+          <p:nvPicPr>
+            <p:cNvPr id="13" name="Image 12">
+              <a:extLst>
+                <a:ext uri="{FF2B5EF4-FFF2-40B4-BE49-F238E27FC236}">
+                  <a16:creationId xmlns:a16="http://schemas.microsoft.com/office/drawing/2014/main" id="{A86A4563-6506-49E1-A74B-096E898B2EB1}"/>
+                </a:ext>
+              </a:extLst>
+            </p:cNvPr>
+            <p:cNvPicPr>
+              <a:picLocks noChangeAspect="1"/>
+            </p:cNvPicPr>
+            <p:nvPr/>
+          </p:nvPicPr>
+          <p:blipFill rotWithShape="1">
+            <a:blip r:embed="rId4"/>
+            <a:srcRect l="5035" t="5292" r="7087" b="14418"/>
+            <a:stretch/>
+          </p:blipFill>
+          <p:spPr>
+            <a:xfrm>
+              <a:off x="4379652" y="3329866"/>
+              <a:ext cx="6462944" cy="3444536"/>
+            </a:xfrm>
+            <a:prstGeom prst="rect">
+              <a:avLst/>
+            </a:prstGeom>
+          </p:spPr>
+        </p:pic>
+        <p:pic>
+          <p:nvPicPr>
+            <p:cNvPr id="14" name="Image 13">
+              <a:extLst>
+                <a:ext uri="{FF2B5EF4-FFF2-40B4-BE49-F238E27FC236}">
+                  <a16:creationId xmlns:a16="http://schemas.microsoft.com/office/drawing/2014/main" id="{2673D7E1-FF9F-4912-9D68-07DA1A3BCCDD}"/>
+                </a:ext>
+              </a:extLst>
+            </p:cNvPr>
+            <p:cNvPicPr>
+              <a:picLocks noChangeAspect="1"/>
+            </p:cNvPicPr>
+            <p:nvPr/>
+          </p:nvPicPr>
+          <p:blipFill>
+            <a:blip r:embed="rId3"/>
+            <a:stretch>
+              <a:fillRect/>
+            </a:stretch>
+          </p:blipFill>
+          <p:spPr>
+            <a:xfrm>
+              <a:off x="316639" y="3528504"/>
+              <a:ext cx="4063013" cy="3047260"/>
+            </a:xfrm>
+            <a:prstGeom prst="rect">
+              <a:avLst/>
+            </a:prstGeom>
+          </p:spPr>
+        </p:pic>
+      </p:grpSp>
     </p:spTree>
     <p:extLst>
       <p:ext uri="{BB962C8B-B14F-4D97-AF65-F5344CB8AC3E}">
@@ -3912,79 +4337,21 @@
           </a:p>
         </p:txBody>
       </p:sp>
-      <p:pic>
-        <p:nvPicPr>
-          <p:cNvPr id="6" name="Image 5">
-            <a:extLst>
-              <a:ext uri="{FF2B5EF4-FFF2-40B4-BE49-F238E27FC236}">
-                <a16:creationId xmlns:a16="http://schemas.microsoft.com/office/drawing/2014/main" id="{FFF0DF59-A803-4C79-8266-00F528E35D04}"/>
-              </a:ext>
-            </a:extLst>
-          </p:cNvPr>
-          <p:cNvPicPr>
-            <a:picLocks noChangeAspect="1"/>
-          </p:cNvPicPr>
+      <p:sp>
+        <p:nvSpPr>
+          <p:cNvPr id="8" name="ZoneTexte 7">
+            <a:extLst>
+              <a:ext uri="{FF2B5EF4-FFF2-40B4-BE49-F238E27FC236}">
+                <a16:creationId xmlns:a16="http://schemas.microsoft.com/office/drawing/2014/main" id="{0CBA9B27-94FE-4516-8C6A-B123EFC56810}"/>
+              </a:ext>
+            </a:extLst>
+          </p:cNvPr>
+          <p:cNvSpPr txBox="1"/>
           <p:nvPr/>
-        </p:nvPicPr>
-        <p:blipFill rotWithShape="1">
-          <a:blip r:embed="rId2"/>
-          <a:srcRect l="4099" t="4845" r="6584" b="17640"/>
-          <a:stretch/>
-        </p:blipFill>
+        </p:nvSpPr>
         <p:spPr>
           <a:xfrm>
-            <a:off x="0" y="127001"/>
-            <a:ext cx="7458899" cy="3776132"/>
-          </a:xfrm>
-          <a:prstGeom prst="rect">
-            <a:avLst/>
-          </a:prstGeom>
-        </p:spPr>
-      </p:pic>
-      <p:pic>
-        <p:nvPicPr>
-          <p:cNvPr id="7" name="Image 6">
-            <a:extLst>
-              <a:ext uri="{FF2B5EF4-FFF2-40B4-BE49-F238E27FC236}">
-                <a16:creationId xmlns:a16="http://schemas.microsoft.com/office/drawing/2014/main" id="{7214018B-5553-4DA4-9537-77007AB7E15A}"/>
-              </a:ext>
-            </a:extLst>
-          </p:cNvPr>
-          <p:cNvPicPr>
-            <a:picLocks noChangeAspect="1"/>
-          </p:cNvPicPr>
-          <p:nvPr/>
-        </p:nvPicPr>
-        <p:blipFill rotWithShape="1">
-          <a:blip r:embed="rId3"/>
-          <a:srcRect l="3194" t="3519" r="5139" b="6111"/>
-          <a:stretch/>
-        </p:blipFill>
-        <p:spPr>
-          <a:xfrm>
-            <a:off x="7306734" y="618067"/>
-            <a:ext cx="4707466" cy="3480672"/>
-          </a:xfrm>
-          <a:prstGeom prst="rect">
-            <a:avLst/>
-          </a:prstGeom>
-        </p:spPr>
-      </p:pic>
-      <p:sp>
-        <p:nvSpPr>
-          <p:cNvPr id="8" name="ZoneTexte 7">
-            <a:extLst>
-              <a:ext uri="{FF2B5EF4-FFF2-40B4-BE49-F238E27FC236}">
-                <a16:creationId xmlns:a16="http://schemas.microsoft.com/office/drawing/2014/main" id="{0CBA9B27-94FE-4516-8C6A-B123EFC56810}"/>
-              </a:ext>
-            </a:extLst>
-          </p:cNvPr>
-          <p:cNvSpPr txBox="1"/>
-          <p:nvPr/>
-        </p:nvSpPr>
-        <p:spPr>
-          <a:xfrm>
-            <a:off x="7526620" y="127001"/>
+            <a:off x="7301143" y="165786"/>
             <a:ext cx="4487579" cy="369332"/>
           </a:xfrm>
           <a:prstGeom prst="rect">
@@ -4000,100 +4367,126 @@
           <a:p>
             <a:r>
               <a:rPr lang="fr-FR" dirty="0"/>
-              <a:t>Taux acceptation : 0,317 (tjrs de l’ordre du .3)</a:t>
-            </a:r>
-          </a:p>
-        </p:txBody>
-      </p:sp>
-      <p:pic>
-        <p:nvPicPr>
-          <p:cNvPr id="9" name="Image 8">
-            <a:extLst>
-              <a:ext uri="{FF2B5EF4-FFF2-40B4-BE49-F238E27FC236}">
-                <a16:creationId xmlns:a16="http://schemas.microsoft.com/office/drawing/2014/main" id="{7F3AF9B2-BEC6-46C6-93D5-E4E1CEE2CE37}"/>
-              </a:ext>
-            </a:extLst>
-          </p:cNvPr>
-          <p:cNvPicPr>
-            <a:picLocks noChangeAspect="1"/>
-          </p:cNvPicPr>
+              <a:t>Taux acceptation : autour de 0,5</a:t>
+            </a:r>
+          </a:p>
+        </p:txBody>
+      </p:sp>
+      <p:sp>
+        <p:nvSpPr>
+          <p:cNvPr id="3" name="ZoneTexte 2">
+            <a:extLst>
+              <a:ext uri="{FF2B5EF4-FFF2-40B4-BE49-F238E27FC236}">
+                <a16:creationId xmlns:a16="http://schemas.microsoft.com/office/drawing/2014/main" id="{C2293FDE-F360-46B7-8F6E-8DC64179C6DA}"/>
+              </a:ext>
+            </a:extLst>
+          </p:cNvPr>
+          <p:cNvSpPr txBox="1"/>
           <p:nvPr/>
-        </p:nvPicPr>
-        <p:blipFill>
-          <a:blip r:embed="rId4"/>
-          <a:stretch>
-            <a:fillRect/>
-          </a:stretch>
-        </p:blipFill>
+        </p:nvSpPr>
         <p:spPr>
           <a:xfrm>
-            <a:off x="131210" y="3674533"/>
-            <a:ext cx="3937000" cy="2952750"/>
+            <a:off x="355107" y="165786"/>
+            <a:ext cx="1055097" cy="369332"/>
           </a:xfrm>
           <a:prstGeom prst="rect">
             <a:avLst/>
           </a:prstGeom>
+          <a:noFill/>
         </p:spPr>
-      </p:pic>
-      <p:pic>
-        <p:nvPicPr>
-          <p:cNvPr id="10" name="Image 9">
-            <a:extLst>
-              <a:ext uri="{FF2B5EF4-FFF2-40B4-BE49-F238E27FC236}">
-                <a16:creationId xmlns:a16="http://schemas.microsoft.com/office/drawing/2014/main" id="{EDA857F1-80A2-43AA-9338-FD97E90103B4}"/>
-              </a:ext>
-            </a:extLst>
-          </p:cNvPr>
-          <p:cNvPicPr>
-            <a:picLocks noChangeAspect="1"/>
-          </p:cNvPicPr>
+        <p:txBody>
+          <a:bodyPr wrap="none" rtlCol="0">
+            <a:spAutoFit/>
+          </a:bodyPr>
+          <a:lstStyle/>
+          <a:p>
+            <a:r>
+              <a:rPr lang="fr-FR" dirty="0" err="1"/>
+              <a:t>Vamprior</a:t>
+            </a:r>
+            <a:endParaRPr lang="fr-FR" dirty="0"/>
+          </a:p>
+        </p:txBody>
+      </p:sp>
+      <p:grpSp>
+        <p:nvGrpSpPr>
+          <p:cNvPr id="17" name="Groupe 16">
+            <a:extLst>
+              <a:ext uri="{FF2B5EF4-FFF2-40B4-BE49-F238E27FC236}">
+                <a16:creationId xmlns:a16="http://schemas.microsoft.com/office/drawing/2014/main" id="{D896D240-731F-4164-9D06-FA52B522E65F}"/>
+              </a:ext>
+            </a:extLst>
+          </p:cNvPr>
+          <p:cNvGrpSpPr/>
           <p:nvPr/>
-        </p:nvPicPr>
-        <p:blipFill>
-          <a:blip r:embed="rId5"/>
-          <a:stretch>
-            <a:fillRect/>
-          </a:stretch>
-        </p:blipFill>
-        <p:spPr>
+        </p:nvGrpSpPr>
+        <p:grpSpPr>
           <a:xfrm>
-            <a:off x="3560505" y="3674533"/>
-            <a:ext cx="3678507" cy="2758880"/>
+            <a:off x="189390" y="1747000"/>
+            <a:ext cx="11919752" cy="3363999"/>
+            <a:chOff x="189390" y="1747000"/>
+            <a:chExt cx="11919752" cy="3363999"/>
           </a:xfrm>
-          <a:prstGeom prst="rect">
-            <a:avLst/>
-          </a:prstGeom>
-        </p:spPr>
-      </p:pic>
-      <p:pic>
-        <p:nvPicPr>
-          <p:cNvPr id="11" name="Image 10">
-            <a:extLst>
-              <a:ext uri="{FF2B5EF4-FFF2-40B4-BE49-F238E27FC236}">
-                <a16:creationId xmlns:a16="http://schemas.microsoft.com/office/drawing/2014/main" id="{E38630A9-5BF1-449A-B792-D21FD9965246}"/>
-              </a:ext>
-            </a:extLst>
-          </p:cNvPr>
-          <p:cNvPicPr>
-            <a:picLocks noChangeAspect="1"/>
-          </p:cNvPicPr>
-          <p:nvPr/>
-        </p:nvPicPr>
-        <p:blipFill rotWithShape="1">
-          <a:blip r:embed="rId6"/>
-          <a:srcRect l="7179" t="9937" r="3990" b="4839"/>
-          <a:stretch/>
-        </p:blipFill>
-        <p:spPr>
-          <a:xfrm>
-            <a:off x="7598811" y="4013936"/>
-            <a:ext cx="3776133" cy="2717063"/>
-          </a:xfrm>
-          <a:prstGeom prst="rect">
-            <a:avLst/>
-          </a:prstGeom>
-        </p:spPr>
-      </p:pic>
+        </p:grpSpPr>
+        <p:pic>
+          <p:nvPicPr>
+            <p:cNvPr id="15" name="Image 14">
+              <a:extLst>
+                <a:ext uri="{FF2B5EF4-FFF2-40B4-BE49-F238E27FC236}">
+                  <a16:creationId xmlns:a16="http://schemas.microsoft.com/office/drawing/2014/main" id="{66801116-5DEF-47B9-86B7-5D715C3CF79B}"/>
+                </a:ext>
+              </a:extLst>
+            </p:cNvPr>
+            <p:cNvPicPr>
+              <a:picLocks noChangeAspect="1"/>
+            </p:cNvPicPr>
+            <p:nvPr/>
+          </p:nvPicPr>
+          <p:blipFill rotWithShape="1">
+            <a:blip r:embed="rId2"/>
+            <a:srcRect l="9005" t="10688" r="5469" b="21406"/>
+            <a:stretch/>
+          </p:blipFill>
+          <p:spPr>
+            <a:xfrm>
+              <a:off x="4845863" y="1747000"/>
+              <a:ext cx="7263279" cy="3363999"/>
+            </a:xfrm>
+            <a:prstGeom prst="rect">
+              <a:avLst/>
+            </a:prstGeom>
+          </p:spPr>
+        </p:pic>
+        <p:pic>
+          <p:nvPicPr>
+            <p:cNvPr id="16" name="Image 15">
+              <a:extLst>
+                <a:ext uri="{FF2B5EF4-FFF2-40B4-BE49-F238E27FC236}">
+                  <a16:creationId xmlns:a16="http://schemas.microsoft.com/office/drawing/2014/main" id="{D849666A-390F-4AE0-9B12-9A8AAAD69D21}"/>
+                </a:ext>
+              </a:extLst>
+            </p:cNvPr>
+            <p:cNvPicPr>
+              <a:picLocks noChangeAspect="1"/>
+            </p:cNvPicPr>
+            <p:nvPr/>
+          </p:nvPicPr>
+          <p:blipFill rotWithShape="1">
+            <a:blip r:embed="rId3"/>
+            <a:srcRect l="8107" t="10922" r="3350" b="4612"/>
+            <a:stretch/>
+          </p:blipFill>
+          <p:spPr>
+            <a:xfrm>
+              <a:off x="189390" y="1797691"/>
+              <a:ext cx="4560163" cy="3262616"/>
+            </a:xfrm>
+            <a:prstGeom prst="rect">
+              <a:avLst/>
+            </a:prstGeom>
+          </p:spPr>
+        </p:pic>
+      </p:grpSp>
     </p:spTree>
     <p:extLst>
       <p:ext uri="{BB962C8B-B14F-4D97-AF65-F5344CB8AC3E}">
@@ -4124,12 +4517,91 @@
           <a:chExt cx="0" cy="0"/>
         </a:xfrm>
       </p:grpSpPr>
+      <p:grpSp>
+        <p:nvGrpSpPr>
+          <p:cNvPr id="7" name="Groupe 6">
+            <a:extLst>
+              <a:ext uri="{FF2B5EF4-FFF2-40B4-BE49-F238E27FC236}">
+                <a16:creationId xmlns:a16="http://schemas.microsoft.com/office/drawing/2014/main" id="{C0637814-D325-4849-8AE5-06BF9D1940D5}"/>
+              </a:ext>
+            </a:extLst>
+          </p:cNvPr>
+          <p:cNvGrpSpPr/>
+          <p:nvPr/>
+        </p:nvGrpSpPr>
+        <p:grpSpPr>
+          <a:xfrm>
+            <a:off x="97652" y="115409"/>
+            <a:ext cx="11745160" cy="3509084"/>
+            <a:chOff x="97652" y="115409"/>
+            <a:chExt cx="11745160" cy="3509084"/>
+          </a:xfrm>
+        </p:grpSpPr>
+        <p:pic>
+          <p:nvPicPr>
+            <p:cNvPr id="3" name="Image 2">
+              <a:extLst>
+                <a:ext uri="{FF2B5EF4-FFF2-40B4-BE49-F238E27FC236}">
+                  <a16:creationId xmlns:a16="http://schemas.microsoft.com/office/drawing/2014/main" id="{6FEDFEBF-D5F3-47A0-88E0-D8CDAD66C4A8}"/>
+                </a:ext>
+              </a:extLst>
+            </p:cNvPr>
+            <p:cNvPicPr>
+              <a:picLocks noChangeAspect="1"/>
+            </p:cNvPicPr>
+            <p:nvPr/>
+          </p:nvPicPr>
+          <p:blipFill rotWithShape="1">
+            <a:blip r:embed="rId2"/>
+            <a:srcRect l="5758" t="6107" r="6941" b="5852"/>
+            <a:stretch/>
+          </p:blipFill>
+          <p:spPr>
+            <a:xfrm>
+              <a:off x="97652" y="115409"/>
+              <a:ext cx="6436313" cy="3509084"/>
+            </a:xfrm>
+            <a:prstGeom prst="rect">
+              <a:avLst/>
+            </a:prstGeom>
+          </p:spPr>
+        </p:pic>
+        <p:pic>
+          <p:nvPicPr>
+            <p:cNvPr id="6" name="Image 5">
+              <a:extLst>
+                <a:ext uri="{FF2B5EF4-FFF2-40B4-BE49-F238E27FC236}">
+                  <a16:creationId xmlns:a16="http://schemas.microsoft.com/office/drawing/2014/main" id="{38B6AC0D-8326-4088-B29B-01D058F9D65F}"/>
+                </a:ext>
+              </a:extLst>
+            </p:cNvPr>
+            <p:cNvPicPr>
+              <a:picLocks noChangeAspect="1"/>
+            </p:cNvPicPr>
+            <p:nvPr/>
+          </p:nvPicPr>
+          <p:blipFill rotWithShape="1">
+            <a:blip r:embed="rId3"/>
+            <a:srcRect l="6879" t="8931" r="8720" b="7315"/>
+            <a:stretch/>
+          </p:blipFill>
+          <p:spPr>
+            <a:xfrm>
+              <a:off x="6533965" y="207875"/>
+              <a:ext cx="5308847" cy="3324152"/>
+            </a:xfrm>
+            <a:prstGeom prst="rect">
+              <a:avLst/>
+            </a:prstGeom>
+          </p:spPr>
+        </p:pic>
+      </p:grpSp>
       <p:pic>
         <p:nvPicPr>
-          <p:cNvPr id="4" name="Image 3">
-            <a:extLst>
-              <a:ext uri="{FF2B5EF4-FFF2-40B4-BE49-F238E27FC236}">
-                <a16:creationId xmlns:a16="http://schemas.microsoft.com/office/drawing/2014/main" id="{4746D2F8-968F-4530-8E02-4AD9E8ACECBB}"/>
+          <p:cNvPr id="8" name="Image 7">
+            <a:extLst>
+              <a:ext uri="{FF2B5EF4-FFF2-40B4-BE49-F238E27FC236}">
+                <a16:creationId xmlns:a16="http://schemas.microsoft.com/office/drawing/2014/main" id="{203EF9E5-2A30-4BC3-A68F-1A37931833E7}"/>
               </a:ext>
             </a:extLst>
           </p:cNvPr>
@@ -4138,44 +4610,16 @@
           </p:cNvPicPr>
           <p:nvPr/>
         </p:nvPicPr>
-        <p:blipFill rotWithShape="1">
-          <a:blip r:embed="rId2"/>
-          <a:srcRect l="4561" t="4670" r="8438" b="7714"/>
-          <a:stretch/>
+        <p:blipFill>
+          <a:blip r:embed="rId4"/>
+          <a:stretch>
+            <a:fillRect/>
+          </a:stretch>
         </p:blipFill>
         <p:spPr>
           <a:xfrm>
-            <a:off x="-76199" y="0"/>
-            <a:ext cx="6460066" cy="3276600"/>
-          </a:xfrm>
-          <a:prstGeom prst="rect">
-            <a:avLst/>
-          </a:prstGeom>
-        </p:spPr>
-      </p:pic>
-      <p:pic>
-        <p:nvPicPr>
-          <p:cNvPr id="5" name="Image 4">
-            <a:extLst>
-              <a:ext uri="{FF2B5EF4-FFF2-40B4-BE49-F238E27FC236}">
-                <a16:creationId xmlns:a16="http://schemas.microsoft.com/office/drawing/2014/main" id="{60420779-CC35-4C19-9E1D-583E39AD88D3}"/>
-              </a:ext>
-            </a:extLst>
-          </p:cNvPr>
-          <p:cNvPicPr>
-            <a:picLocks noChangeAspect="1"/>
-          </p:cNvPicPr>
-          <p:nvPr/>
-        </p:nvPicPr>
-        <p:blipFill rotWithShape="1">
-          <a:blip r:embed="rId3"/>
-          <a:srcRect l="6149" t="9396" r="7036" b="4795"/>
-          <a:stretch/>
-        </p:blipFill>
-        <p:spPr>
-          <a:xfrm>
-            <a:off x="4512734" y="3208867"/>
-            <a:ext cx="7103534" cy="3276600"/>
+            <a:off x="349189" y="3608773"/>
+            <a:ext cx="4178424" cy="3133818"/>
           </a:xfrm>
           <a:prstGeom prst="rect">
             <a:avLst/>
@@ -4186,6 +4630,66 @@
     <p:extLst>
       <p:ext uri="{BB962C8B-B14F-4D97-AF65-F5344CB8AC3E}">
         <p14:creationId xmlns:p14="http://schemas.microsoft.com/office/powerpoint/2010/main" val="1773240346"/>
+      </p:ext>
+    </p:extLst>
+  </p:cSld>
+  <p:clrMapOvr>
+    <a:masterClrMapping/>
+  </p:clrMapOvr>
+</p:sld>
+</file>
+
+<file path=ppt/slides/slide6.xml><?xml version="1.0" encoding="utf-8"?>
+<p:sld xmlns:a="http://schemas.openxmlformats.org/drawingml/2006/main" xmlns:r="http://schemas.openxmlformats.org/officeDocument/2006/relationships" xmlns:p="http://schemas.openxmlformats.org/presentationml/2006/main">
+  <p:cSld>
+    <p:spTree>
+      <p:nvGrpSpPr>
+        <p:cNvPr id="1" name=""/>
+        <p:cNvGrpSpPr/>
+        <p:nvPr/>
+      </p:nvGrpSpPr>
+      <p:grpSpPr>
+        <a:xfrm>
+          <a:off x="0" y="0"/>
+          <a:ext cx="0" cy="0"/>
+          <a:chOff x="0" y="0"/>
+          <a:chExt cx="0" cy="0"/>
+        </a:xfrm>
+      </p:grpSpPr>
+      <p:pic>
+        <p:nvPicPr>
+          <p:cNvPr id="10" name="Image 9">
+            <a:extLst>
+              <a:ext uri="{FF2B5EF4-FFF2-40B4-BE49-F238E27FC236}">
+                <a16:creationId xmlns:a16="http://schemas.microsoft.com/office/drawing/2014/main" id="{BAE54A2F-6588-4F3B-BB02-6B6D41210051}"/>
+              </a:ext>
+            </a:extLst>
+          </p:cNvPr>
+          <p:cNvPicPr>
+            <a:picLocks noChangeAspect="1"/>
+          </p:cNvPicPr>
+          <p:nvPr/>
+        </p:nvPicPr>
+        <p:blipFill>
+          <a:blip r:embed="rId2"/>
+          <a:stretch>
+            <a:fillRect/>
+          </a:stretch>
+        </p:blipFill>
+        <p:spPr>
+          <a:xfrm>
+            <a:off x="772358" y="1586144"/>
+            <a:ext cx="4063013" cy="3047260"/>
+          </a:xfrm>
+          <a:prstGeom prst="rect">
+            <a:avLst/>
+          </a:prstGeom>
+        </p:spPr>
+      </p:pic>
+    </p:spTree>
+    <p:extLst>
+      <p:ext uri="{BB962C8B-B14F-4D97-AF65-F5344CB8AC3E}">
+        <p14:creationId xmlns:p14="http://schemas.microsoft.com/office/powerpoint/2010/main" val="1995917633"/>
       </p:ext>
     </p:extLst>
   </p:cSld>
@@ -4488,4 +4992,299 @@
     </a:ext>
   </a:extLst>
 </a:theme>
+</file>
+
+<file path=ppt/theme/theme2.xml><?xml version="1.0" encoding="utf-8"?>
+<a:theme xmlns:a="http://schemas.openxmlformats.org/drawingml/2006/main" name="Thème Office">
+  <a:themeElements>
+    <a:clrScheme name="Office">
+      <a:dk1>
+        <a:sysClr val="windowText" lastClr="000000"/>
+      </a:dk1>
+      <a:lt1>
+        <a:sysClr val="window" lastClr="FFFFFF"/>
+      </a:lt1>
+      <a:dk2>
+        <a:srgbClr val="44546A"/>
+      </a:dk2>
+      <a:lt2>
+        <a:srgbClr val="E7E6E6"/>
+      </a:lt2>
+      <a:accent1>
+        <a:srgbClr val="4472C4"/>
+      </a:accent1>
+      <a:accent2>
+        <a:srgbClr val="ED7D31"/>
+      </a:accent2>
+      <a:accent3>
+        <a:srgbClr val="A5A5A5"/>
+      </a:accent3>
+      <a:accent4>
+        <a:srgbClr val="FFC000"/>
+      </a:accent4>
+      <a:accent5>
+        <a:srgbClr val="5B9BD5"/>
+      </a:accent5>
+      <a:accent6>
+        <a:srgbClr val="70AD47"/>
+      </a:accent6>
+      <a:hlink>
+        <a:srgbClr val="0563C1"/>
+      </a:hlink>
+      <a:folHlink>
+        <a:srgbClr val="954F72"/>
+      </a:folHlink>
+    </a:clrScheme>
+    <a:fontScheme name="Office">
+      <a:majorFont>
+        <a:latin typeface="Calibri Light" panose="020F0302020204030204"/>
+        <a:ea typeface=""/>
+        <a:cs typeface=""/>
+        <a:font script="Jpan" typeface="游ゴシック Light"/>
+        <a:font script="Hang" typeface="맑은 고딕"/>
+        <a:font script="Hans" typeface="等线 Light"/>
+        <a:font script="Hant" typeface="新細明體"/>
+        <a:font script="Arab" typeface="Times New Roman"/>
+        <a:font script="Hebr" typeface="Times New Roman"/>
+        <a:font script="Thai" typeface="Angsana New"/>
+        <a:font script="Ethi" typeface="Nyala"/>
+        <a:font script="Beng" typeface="Vrinda"/>
+        <a:font script="Gujr" typeface="Shruti"/>
+        <a:font script="Khmr" typeface="MoolBoran"/>
+        <a:font script="Knda" typeface="Tunga"/>
+        <a:font script="Guru" typeface="Raavi"/>
+        <a:font script="Cans" typeface="Euphemia"/>
+        <a:font script="Cher" typeface="Plantagenet Cherokee"/>
+        <a:font script="Yiii" typeface="Microsoft Yi Baiti"/>
+        <a:font script="Tibt" typeface="Microsoft Himalaya"/>
+        <a:font script="Thaa" typeface="MV Boli"/>
+        <a:font script="Deva" typeface="Mangal"/>
+        <a:font script="Telu" typeface="Gautami"/>
+        <a:font script="Taml" typeface="Latha"/>
+        <a:font script="Syrc" typeface="Estrangelo Edessa"/>
+        <a:font script="Orya" typeface="Kalinga"/>
+        <a:font script="Mlym" typeface="Kartika"/>
+        <a:font script="Laoo" typeface="DokChampa"/>
+        <a:font script="Sinh" typeface="Iskoola Pota"/>
+        <a:font script="Mong" typeface="Mongolian Baiti"/>
+        <a:font script="Viet" typeface="Times New Roman"/>
+        <a:font script="Uigh" typeface="Microsoft Uighur"/>
+        <a:font script="Geor" typeface="Sylfaen"/>
+        <a:font script="Armn" typeface="Arial"/>
+        <a:font script="Bugi" typeface="Leelawadee UI"/>
+        <a:font script="Bopo" typeface="Microsoft JhengHei"/>
+        <a:font script="Java" typeface="Javanese Text"/>
+        <a:font script="Lisu" typeface="Segoe UI"/>
+        <a:font script="Mymr" typeface="Myanmar Text"/>
+        <a:font script="Nkoo" typeface="Ebrima"/>
+        <a:font script="Olck" typeface="Nirmala UI"/>
+        <a:font script="Osma" typeface="Ebrima"/>
+        <a:font script="Phag" typeface="Phagspa"/>
+        <a:font script="Syrn" typeface="Estrangelo Edessa"/>
+        <a:font script="Syrj" typeface="Estrangelo Edessa"/>
+        <a:font script="Syre" typeface="Estrangelo Edessa"/>
+        <a:font script="Sora" typeface="Nirmala UI"/>
+        <a:font script="Tale" typeface="Microsoft Tai Le"/>
+        <a:font script="Talu" typeface="Microsoft New Tai Lue"/>
+        <a:font script="Tfng" typeface="Ebrima"/>
+      </a:majorFont>
+      <a:minorFont>
+        <a:latin typeface="Calibri" panose="020F0502020204030204"/>
+        <a:ea typeface=""/>
+        <a:cs typeface=""/>
+        <a:font script="Jpan" typeface="游ゴシック"/>
+        <a:font script="Hang" typeface="맑은 고딕"/>
+        <a:font script="Hans" typeface="等线"/>
+        <a:font script="Hant" typeface="新細明體"/>
+        <a:font script="Arab" typeface="Arial"/>
+        <a:font script="Hebr" typeface="Arial"/>
+        <a:font script="Thai" typeface="Cordia New"/>
+        <a:font script="Ethi" typeface="Nyala"/>
+        <a:font script="Beng" typeface="Vrinda"/>
+        <a:font script="Gujr" typeface="Shruti"/>
+        <a:font script="Khmr" typeface="DaunPenh"/>
+        <a:font script="Knda" typeface="Tunga"/>
+        <a:font script="Guru" typeface="Raavi"/>
+        <a:font script="Cans" typeface="Euphemia"/>
+        <a:font script="Cher" typeface="Plantagenet Cherokee"/>
+        <a:font script="Yiii" typeface="Microsoft Yi Baiti"/>
+        <a:font script="Tibt" typeface="Microsoft Himalaya"/>
+        <a:font script="Thaa" typeface="MV Boli"/>
+        <a:font script="Deva" typeface="Mangal"/>
+        <a:font script="Telu" typeface="Gautami"/>
+        <a:font script="Taml" typeface="Latha"/>
+        <a:font script="Syrc" typeface="Estrangelo Edessa"/>
+        <a:font script="Orya" typeface="Kalinga"/>
+        <a:font script="Mlym" typeface="Kartika"/>
+        <a:font script="Laoo" typeface="DokChampa"/>
+        <a:font script="Sinh" typeface="Iskoola Pota"/>
+        <a:font script="Mong" typeface="Mongolian Baiti"/>
+        <a:font script="Viet" typeface="Arial"/>
+        <a:font script="Uigh" typeface="Microsoft Uighur"/>
+        <a:font script="Geor" typeface="Sylfaen"/>
+        <a:font script="Armn" typeface="Arial"/>
+        <a:font script="Bugi" typeface="Leelawadee UI"/>
+        <a:font script="Bopo" typeface="Microsoft JhengHei"/>
+        <a:font script="Java" typeface="Javanese Text"/>
+        <a:font script="Lisu" typeface="Segoe UI"/>
+        <a:font script="Mymr" typeface="Myanmar Text"/>
+        <a:font script="Nkoo" typeface="Ebrima"/>
+        <a:font script="Olck" typeface="Nirmala UI"/>
+        <a:font script="Osma" typeface="Ebrima"/>
+        <a:font script="Phag" typeface="Phagspa"/>
+        <a:font script="Syrn" typeface="Estrangelo Edessa"/>
+        <a:font script="Syrj" typeface="Estrangelo Edessa"/>
+        <a:font script="Syre" typeface="Estrangelo Edessa"/>
+        <a:font script="Sora" typeface="Nirmala UI"/>
+        <a:font script="Tale" typeface="Microsoft Tai Le"/>
+        <a:font script="Talu" typeface="Microsoft New Tai Lue"/>
+        <a:font script="Tfng" typeface="Ebrima"/>
+      </a:minorFont>
+    </a:fontScheme>
+    <a:fmtScheme name="Office">
+      <a:fillStyleLst>
+        <a:solidFill>
+          <a:schemeClr val="phClr"/>
+        </a:solidFill>
+        <a:gradFill rotWithShape="1">
+          <a:gsLst>
+            <a:gs pos="0">
+              <a:schemeClr val="phClr">
+                <a:lumMod val="110000"/>
+                <a:satMod val="105000"/>
+                <a:tint val="67000"/>
+              </a:schemeClr>
+            </a:gs>
+            <a:gs pos="50000">
+              <a:schemeClr val="phClr">
+                <a:lumMod val="105000"/>
+                <a:satMod val="103000"/>
+                <a:tint val="73000"/>
+              </a:schemeClr>
+            </a:gs>
+            <a:gs pos="100000">
+              <a:schemeClr val="phClr">
+                <a:lumMod val="105000"/>
+                <a:satMod val="109000"/>
+                <a:tint val="81000"/>
+              </a:schemeClr>
+            </a:gs>
+          </a:gsLst>
+          <a:lin ang="5400000" scaled="0"/>
+        </a:gradFill>
+        <a:gradFill rotWithShape="1">
+          <a:gsLst>
+            <a:gs pos="0">
+              <a:schemeClr val="phClr">
+                <a:satMod val="103000"/>
+                <a:lumMod val="102000"/>
+                <a:tint val="94000"/>
+              </a:schemeClr>
+            </a:gs>
+            <a:gs pos="50000">
+              <a:schemeClr val="phClr">
+                <a:satMod val="110000"/>
+                <a:lumMod val="100000"/>
+                <a:shade val="100000"/>
+              </a:schemeClr>
+            </a:gs>
+            <a:gs pos="100000">
+              <a:schemeClr val="phClr">
+                <a:lumMod val="99000"/>
+                <a:satMod val="120000"/>
+                <a:shade val="78000"/>
+              </a:schemeClr>
+            </a:gs>
+          </a:gsLst>
+          <a:lin ang="5400000" scaled="0"/>
+        </a:gradFill>
+      </a:fillStyleLst>
+      <a:lnStyleLst>
+        <a:ln w="6350" cap="flat" cmpd="sng" algn="ctr">
+          <a:solidFill>
+            <a:schemeClr val="phClr"/>
+          </a:solidFill>
+          <a:prstDash val="solid"/>
+          <a:miter lim="800000"/>
+        </a:ln>
+        <a:ln w="12700" cap="flat" cmpd="sng" algn="ctr">
+          <a:solidFill>
+            <a:schemeClr val="phClr"/>
+          </a:solidFill>
+          <a:prstDash val="solid"/>
+          <a:miter lim="800000"/>
+        </a:ln>
+        <a:ln w="19050" cap="flat" cmpd="sng" algn="ctr">
+          <a:solidFill>
+            <a:schemeClr val="phClr"/>
+          </a:solidFill>
+          <a:prstDash val="solid"/>
+          <a:miter lim="800000"/>
+        </a:ln>
+      </a:lnStyleLst>
+      <a:effectStyleLst>
+        <a:effectStyle>
+          <a:effectLst/>
+        </a:effectStyle>
+        <a:effectStyle>
+          <a:effectLst/>
+        </a:effectStyle>
+        <a:effectStyle>
+          <a:effectLst>
+            <a:outerShdw blurRad="57150" dist="19050" dir="5400000" algn="ctr" rotWithShape="0">
+              <a:srgbClr val="000000">
+                <a:alpha val="63000"/>
+              </a:srgbClr>
+            </a:outerShdw>
+          </a:effectLst>
+        </a:effectStyle>
+      </a:effectStyleLst>
+      <a:bgFillStyleLst>
+        <a:solidFill>
+          <a:schemeClr val="phClr"/>
+        </a:solidFill>
+        <a:solidFill>
+          <a:schemeClr val="phClr">
+            <a:tint val="95000"/>
+            <a:satMod val="170000"/>
+          </a:schemeClr>
+        </a:solidFill>
+        <a:gradFill rotWithShape="1">
+          <a:gsLst>
+            <a:gs pos="0">
+              <a:schemeClr val="phClr">
+                <a:tint val="93000"/>
+                <a:satMod val="150000"/>
+                <a:shade val="98000"/>
+                <a:lumMod val="102000"/>
+              </a:schemeClr>
+            </a:gs>
+            <a:gs pos="50000">
+              <a:schemeClr val="phClr">
+                <a:tint val="98000"/>
+                <a:satMod val="130000"/>
+                <a:shade val="90000"/>
+                <a:lumMod val="103000"/>
+              </a:schemeClr>
+            </a:gs>
+            <a:gs pos="100000">
+              <a:schemeClr val="phClr">
+                <a:shade val="63000"/>
+                <a:satMod val="120000"/>
+              </a:schemeClr>
+            </a:gs>
+          </a:gsLst>
+          <a:lin ang="5400000" scaled="0"/>
+        </a:gradFill>
+      </a:bgFillStyleLst>
+    </a:fmtScheme>
+  </a:themeElements>
+  <a:objectDefaults/>
+  <a:extraClrSchemeLst/>
+  <a:extLst>
+    <a:ext uri="{05A4C25C-085E-4340-85A3-A5531E510DB2}">
+      <thm15:themeFamily xmlns:thm15="http://schemas.microsoft.com/office/thememl/2012/main" name="Office Theme" id="{62F939B6-93AF-4DB8-9C6B-D6C7DFDC589F}" vid="{4A3C46E8-61CC-4603-A589-7422A47A8E4A}"/>
+    </a:ext>
+  </a:extLst>
+</a:theme>
 </file>